--- a/Презентации/Паттерны проектирования.pptx
+++ b/Презентации/Паттерны проектирования.pptx
@@ -161,6 +161,11 @@
       </a:defRPr>
     </a:lvl9pPr>
   </p:defaultTextStyle>
+  <p:extLst>
+    <p:ext uri="{EFAFB233-063F-42B5-8137-9DF3F51BA10A}">
+      <p15:sldGuideLst xmlns:p15="http://schemas.microsoft.com/office/powerpoint/2012/main"/>
+    </p:ext>
+  </p:extLst>
 </p:presentation>
 </file>
 
@@ -6038,25 +6043,6 @@
           </a:p>
         </p:txBody>
       </p:sp>
-      <p:sp>
-        <p:nvSpPr>
-          <p:cNvPr id="3" name="Подзаголовок 2"/>
-          <p:cNvSpPr>
-            <a:spLocks noGrp="1"/>
-          </p:cNvSpPr>
-          <p:nvPr>
-            <p:ph type="subTitle" idx="1"/>
-          </p:nvPr>
-        </p:nvSpPr>
-        <p:spPr/>
-        <p:txBody>
-          <a:bodyPr/>
-          <a:lstStyle/>
-          <a:p>
-            <a:endParaRPr lang="ru-RU"/>
-          </a:p>
-        </p:txBody>
-      </p:sp>
     </p:spTree>
     <p:extLst>
       <p:ext uri="{BB962C8B-B14F-4D97-AF65-F5344CB8AC3E}">
@@ -6162,7 +6148,6 @@
               <a:rPr lang="ru-RU" dirty="0"/>
               <a:t>С помощью UML абстрактную фабрику можно представить следующим образом:</a:t>
             </a:r>
-            <a:endParaRPr lang="ru-RU" dirty="0"/>
           </a:p>
         </p:txBody>
       </p:sp>
@@ -6563,7 +6548,6 @@
               <a:rPr lang="ru-RU" dirty="0"/>
               <a:t>Формально в UML паттерн мог бы выглядеть следующим образом:</a:t>
             </a:r>
-            <a:endParaRPr lang="ru-RU" dirty="0"/>
           </a:p>
         </p:txBody>
       </p:sp>
@@ -6980,7 +6964,6 @@
               <a:rPr lang="ru-RU" dirty="0"/>
               <a:t>На языке UML отношения между классами при применении данного паттерна можно описать следующим образом:</a:t>
             </a:r>
-            <a:endParaRPr lang="ru-RU" dirty="0"/>
           </a:p>
         </p:txBody>
       </p:sp>
@@ -7862,7 +7845,6 @@
               <a:rPr lang="ru-RU" dirty="0"/>
               <a:t>Эти паттерны отвечают за построение удобных в поддержке иерархий классов.</a:t>
             </a:r>
-            <a:endParaRPr lang="ru-RU" dirty="0"/>
           </a:p>
         </p:txBody>
       </p:sp>
@@ -7968,7 +7950,6 @@
               <a:rPr lang="ru-RU" dirty="0"/>
               <a:t>Формальное определение паттерна на UML выглядит следующим образом:</a:t>
             </a:r>
-            <a:endParaRPr lang="ru-RU" dirty="0"/>
           </a:p>
         </p:txBody>
       </p:sp>
@@ -8617,7 +8598,6 @@
               <a:rPr lang="ru-RU" dirty="0"/>
               <a:t>С помощью UML шаблон компоновщик можно представить следующим образом:</a:t>
             </a:r>
-            <a:endParaRPr lang="ru-RU" dirty="0"/>
           </a:p>
         </p:txBody>
       </p:sp>
@@ -9061,7 +9041,6 @@
               <a:rPr lang="ru-RU" dirty="0"/>
               <a:t>Схематически шаблон "Декоратор" можно выразить следующим образом:</a:t>
             </a:r>
-            <a:endParaRPr lang="ru-RU" dirty="0"/>
           </a:p>
         </p:txBody>
       </p:sp>
@@ -9384,7 +9363,6 @@
               <a:rPr lang="ru-RU" dirty="0"/>
               <a:t>В UML общую схему фасада можно представить следующим образом:</a:t>
             </a:r>
-            <a:endParaRPr lang="ru-RU" dirty="0"/>
           </a:p>
         </p:txBody>
       </p:sp>
@@ -9654,7 +9632,6 @@
               <a:rPr lang="ru-RU" dirty="0"/>
               <a:t>объектно-ориентированного программирования, описывающий объект, который хранит в себе «слишком много» или делает «слишком много».</a:t>
             </a:r>
-            <a:endParaRPr lang="ru-RU" dirty="0"/>
           </a:p>
         </p:txBody>
       </p:sp>
@@ -9806,7 +9783,6 @@
               <a:rPr lang="ru-RU" dirty="0"/>
               <a:t>Отношения в данном паттерне можно описать следующей схемой:</a:t>
             </a:r>
-            <a:endParaRPr lang="ru-RU" dirty="0"/>
           </a:p>
         </p:txBody>
       </p:sp>
@@ -10130,7 +10106,6 @@
               <a:rPr lang="ru-RU" dirty="0"/>
               <a:t>С помощью UML паттерн может быть описан так:</a:t>
             </a:r>
-            <a:endParaRPr lang="ru-RU" dirty="0"/>
           </a:p>
         </p:txBody>
       </p:sp>
@@ -10932,7 +10907,6 @@
               <a:rPr lang="ru-RU" dirty="0"/>
               <a:t>Эти паттерны решают задачи эффективного и безопасного взаимодействия между объектами программы.</a:t>
             </a:r>
-            <a:endParaRPr lang="ru-RU" dirty="0"/>
           </a:p>
           <a:p>
             <a:endParaRPr lang="ru-RU" dirty="0"/>
@@ -11063,7 +11037,6 @@
               <a:rPr lang="ru-RU" dirty="0"/>
               <a:t>представление паттерна:</a:t>
             </a:r>
-            <a:endParaRPr lang="ru-RU" dirty="0"/>
           </a:p>
         </p:txBody>
       </p:sp>
@@ -11456,7 +11429,6 @@
               <a:rPr lang="ru-RU" dirty="0"/>
               <a:t>Схематично в UML паттерн Команда представляется следующим образом:</a:t>
             </a:r>
-            <a:endParaRPr lang="ru-RU" dirty="0"/>
           </a:p>
         </p:txBody>
       </p:sp>
@@ -11820,7 +11792,6 @@
               <a:rPr lang="ru-RU" dirty="0"/>
               <a:t>С помощью схем UML итераторы можно описать так:</a:t>
             </a:r>
-            <a:endParaRPr lang="ru-RU" dirty="0"/>
           </a:p>
         </p:txBody>
       </p:sp>
@@ -12058,7 +12029,6 @@
               <a:rPr lang="ru-RU" dirty="0"/>
               <a:t>беспокоятся о гибком создании объектов без внесения в программу лишних зависимостей.</a:t>
             </a:r>
-            <a:endParaRPr lang="ru-RU" dirty="0"/>
           </a:p>
           <a:p>
             <a:r>
@@ -12077,7 +12047,6 @@
               <a:rPr lang="ru-RU" dirty="0"/>
               <a:t>показывают различные способы построения связей между объектами.</a:t>
             </a:r>
-            <a:endParaRPr lang="ru-RU" dirty="0"/>
           </a:p>
           <a:p>
             <a:r>
@@ -12306,10 +12275,6 @@
             <a:r>
               <a:rPr lang="ru-RU" dirty="0"/>
               <a:t>Схематично с помощью UML паттерн можно описать следующим образом:</a:t>
-            </a:r>
-            <a:r>
-              <a:rPr lang="ru-RU" dirty="0"/>
-              <a:t/>
             </a:r>
             <a:br>
               <a:rPr lang="ru-RU" dirty="0"/>
@@ -12424,7 +12389,6 @@
               <a:rPr lang="ru-RU" dirty="0"/>
               <a:t> — это поведенческий паттерн проектирования, который позволяет сохранять и восстанавливать прошлые состояния объектов, не раскрывая подробностей их реализации.</a:t>
             </a:r>
-            <a:endParaRPr lang="ru-RU" dirty="0"/>
           </a:p>
         </p:txBody>
       </p:sp>
@@ -12539,7 +12503,6 @@
               <a:rPr lang="ru-RU" dirty="0"/>
               <a:t> — это поведенческий паттерн проектирования, который создаёт механизм подписки, позволяющий одним объектам следить и реагировать на события, происходящие в других объектах.</a:t>
             </a:r>
-            <a:endParaRPr lang="ru-RU" dirty="0"/>
           </a:p>
         </p:txBody>
       </p:sp>
@@ -12654,7 +12617,6 @@
               <a:rPr lang="ru-RU" dirty="0"/>
               <a:t> — это поведенческий паттерн проектирования, который позволяет объектам менять поведение в зависимости от своего состояния. Извне создаётся впечатление, что изменился класс объекта.</a:t>
             </a:r>
-            <a:endParaRPr lang="ru-RU" dirty="0"/>
           </a:p>
         </p:txBody>
       </p:sp>
@@ -12777,7 +12739,6 @@
               <a:rPr lang="ru-RU" dirty="0"/>
               <a:t> прямо во время исполнения программы.</a:t>
             </a:r>
-            <a:endParaRPr lang="ru-RU" dirty="0"/>
           </a:p>
         </p:txBody>
       </p:sp>
@@ -12892,7 +12853,6 @@
               <a:rPr lang="ru-RU" dirty="0"/>
               <a:t> — это поведенческий паттерн проектирования, который позволяет добавлять в программу новые операции, не изменяя классы объектов, над которыми эти операции могут выполняться.</a:t>
             </a:r>
-            <a:endParaRPr lang="ru-RU" dirty="0"/>
           </a:p>
         </p:txBody>
       </p:sp>
@@ -13007,7 +12967,6 @@
               <a:rPr lang="ru-RU" dirty="0"/>
               <a:t> — это поведенческий паттерн проектирования, который определяет скелет алгоритма, перекладывая ответственность за некоторые его шаги на подклассы. Паттерн позволяет подклассам переопределять шаги алгоритма, не меняя его общей структуры.</a:t>
             </a:r>
-            <a:endParaRPr lang="ru-RU" dirty="0"/>
           </a:p>
         </p:txBody>
       </p:sp>
@@ -13261,7 +13220,6 @@
               <a:rPr lang="ru-RU" dirty="0"/>
               <a:t>за удобное и безопасное создание новых объектов или даже целых семейств объектов.</a:t>
             </a:r>
-            <a:endParaRPr lang="ru-RU" dirty="0"/>
           </a:p>
         </p:txBody>
       </p:sp>
@@ -13646,7 +13604,6 @@
               <a:rPr lang="ru-RU" dirty="0"/>
               <a:t>привести к созданию больших параллельных иерархий классов, так как для каждого класса продукта надо создать свой подкласс создателя.</a:t>
             </a:r>
-            <a:endParaRPr lang="ru-RU" dirty="0"/>
           </a:p>
         </p:txBody>
       </p:sp>
